--- a/Жгуновский_381574.pptx
+++ b/Жгуновский_381574.pptx
@@ -113,6 +113,11 @@
       </a:defRPr>
     </a:lvl9pPr>
   </p:defaultTextStyle>
+  <p:extLst>
+    <p:ext uri="{EFAFB233-063F-42B5-8137-9DF3F51BA10A}">
+      <p15:sldGuideLst xmlns:p15="http://schemas.microsoft.com/office/powerpoint/2012/main"/>
+    </p:ext>
+  </p:extLst>
 </p:presentation>
 </file>
 
@@ -789,7 +794,7 @@
           <a:p>
             <a:fld id="{4AAD347D-5ACD-4C99-B74B-A9C85AD731AF}" type="datetimeFigureOut">
               <a:rPr lang="en-US" smtClean="0"/>
-              <a:t>4/29/2024</a:t>
+              <a:t>5/3/2024</a:t>
             </a:fld>
             <a:endParaRPr lang="en-US" dirty="0"/>
           </a:p>
@@ -1064,7 +1069,7 @@
           <a:p>
             <a:fld id="{4509A250-FF31-4206-8172-F9D3106AACB1}" type="datetimeFigureOut">
               <a:rPr lang="en-US" smtClean="0"/>
-              <a:t>4/29/2024</a:t>
+              <a:t>5/3/2024</a:t>
             </a:fld>
             <a:endParaRPr lang="en-US" dirty="0"/>
           </a:p>
@@ -1258,7 +1263,7 @@
           <a:p>
             <a:fld id="{4509A250-FF31-4206-8172-F9D3106AACB1}" type="datetimeFigureOut">
               <a:rPr lang="en-US" smtClean="0"/>
-              <a:t>4/29/2024</a:t>
+              <a:t>5/3/2024</a:t>
             </a:fld>
             <a:endParaRPr lang="en-US" dirty="0"/>
           </a:p>
@@ -1526,7 +1531,7 @@
           <a:p>
             <a:fld id="{4AAD347D-5ACD-4C99-B74B-A9C85AD731AF}" type="datetimeFigureOut">
               <a:rPr lang="en-US" smtClean="0"/>
-              <a:t>4/29/2024</a:t>
+              <a:t>5/3/2024</a:t>
             </a:fld>
             <a:endParaRPr lang="en-US" dirty="0"/>
           </a:p>
@@ -1858,7 +1863,7 @@
           <a:p>
             <a:fld id="{4509A250-FF31-4206-8172-F9D3106AACB1}" type="datetimeFigureOut">
               <a:rPr lang="en-US" smtClean="0"/>
-              <a:t>4/29/2024</a:t>
+              <a:t>5/3/2024</a:t>
             </a:fld>
             <a:endParaRPr lang="en-US" dirty="0"/>
           </a:p>
@@ -2468,7 +2473,7 @@
           <a:p>
             <a:fld id="{4509A250-FF31-4206-8172-F9D3106AACB1}" type="datetimeFigureOut">
               <a:rPr lang="en-US" smtClean="0"/>
-              <a:t>4/29/2024</a:t>
+              <a:t>5/3/2024</a:t>
             </a:fld>
             <a:endParaRPr lang="en-US" dirty="0"/>
           </a:p>
@@ -3315,7 +3320,7 @@
           <a:p>
             <a:fld id="{4509A250-FF31-4206-8172-F9D3106AACB1}" type="datetimeFigureOut">
               <a:rPr lang="en-US" smtClean="0"/>
-              <a:t>4/29/2024</a:t>
+              <a:t>5/3/2024</a:t>
             </a:fld>
             <a:endParaRPr lang="en-US" dirty="0"/>
           </a:p>
@@ -3485,7 +3490,7 @@
           <a:p>
             <a:fld id="{4509A250-FF31-4206-8172-F9D3106AACB1}" type="datetimeFigureOut">
               <a:rPr lang="en-US" smtClean="0"/>
-              <a:t>4/29/2024</a:t>
+              <a:t>5/3/2024</a:t>
             </a:fld>
             <a:endParaRPr lang="en-US" dirty="0"/>
           </a:p>
@@ -3665,7 +3670,7 @@
           <a:p>
             <a:fld id="{4509A250-FF31-4206-8172-F9D3106AACB1}" type="datetimeFigureOut">
               <a:rPr lang="en-US" smtClean="0"/>
-              <a:t>4/29/2024</a:t>
+              <a:t>5/3/2024</a:t>
             </a:fld>
             <a:endParaRPr lang="en-US" dirty="0"/>
           </a:p>
@@ -3835,7 +3840,7 @@
           <a:p>
             <a:fld id="{4509A250-FF31-4206-8172-F9D3106AACB1}" type="datetimeFigureOut">
               <a:rPr lang="en-US" smtClean="0"/>
-              <a:t>4/29/2024</a:t>
+              <a:t>5/3/2024</a:t>
             </a:fld>
             <a:endParaRPr lang="en-US" dirty="0"/>
           </a:p>
@@ -4079,7 +4084,7 @@
           <a:p>
             <a:fld id="{9796027F-7875-4030-9381-8BD8C4F21935}" type="datetimeFigureOut">
               <a:rPr lang="en-US" smtClean="0"/>
-              <a:t>4/29/2024</a:t>
+              <a:t>5/3/2024</a:t>
             </a:fld>
             <a:endParaRPr lang="en-US" dirty="0"/>
           </a:p>
@@ -4371,7 +4376,7 @@
           <a:p>
             <a:fld id="{9796027F-7875-4030-9381-8BD8C4F21935}" type="datetimeFigureOut">
               <a:rPr lang="en-US" smtClean="0"/>
-              <a:t>4/29/2024</a:t>
+              <a:t>5/3/2024</a:t>
             </a:fld>
             <a:endParaRPr lang="en-US" dirty="0"/>
           </a:p>
@@ -4809,7 +4814,7 @@
           <a:p>
             <a:fld id="{9796027F-7875-4030-9381-8BD8C4F21935}" type="datetimeFigureOut">
               <a:rPr lang="en-US" smtClean="0"/>
-              <a:t>4/29/2024</a:t>
+              <a:t>5/3/2024</a:t>
             </a:fld>
             <a:endParaRPr lang="en-US" dirty="0"/>
           </a:p>
@@ -4928,7 +4933,7 @@
             <a:fld id="{B61BEF0D-F0BB-DE4B-95CE-6DB70DBA9567}" type="datetimeFigureOut">
               <a:rPr lang="en-US" smtClean="0"/>
               <a:pPr/>
-              <a:t>4/29/2024</a:t>
+              <a:t>5/3/2024</a:t>
             </a:fld>
             <a:endParaRPr lang="en-US" dirty="0"/>
           </a:p>
@@ -5024,7 +5029,7 @@
           <a:p>
             <a:fld id="{4509A250-FF31-4206-8172-F9D3106AACB1}" type="datetimeFigureOut">
               <a:rPr lang="en-US" smtClean="0"/>
-              <a:t>4/29/2024</a:t>
+              <a:t>5/3/2024</a:t>
             </a:fld>
             <a:endParaRPr lang="en-US" dirty="0"/>
           </a:p>
@@ -5303,7 +5308,7 @@
           <a:p>
             <a:fld id="{4509A250-FF31-4206-8172-F9D3106AACB1}" type="datetimeFigureOut">
               <a:rPr lang="en-US" smtClean="0"/>
-              <a:t>4/29/2024</a:t>
+              <a:t>5/3/2024</a:t>
             </a:fld>
             <a:endParaRPr lang="en-US" dirty="0"/>
           </a:p>
@@ -5578,7 +5583,7 @@
           <a:p>
             <a:fld id="{4509A250-FF31-4206-8172-F9D3106AACB1}" type="datetimeFigureOut">
               <a:rPr lang="en-US" smtClean="0"/>
-              <a:t>4/29/2024</a:t>
+              <a:t>5/3/2024</a:t>
             </a:fld>
             <a:endParaRPr lang="en-US" dirty="0"/>
           </a:p>
@@ -6007,7 +6012,7 @@
           <a:p>
             <a:fld id="{4AAD347D-5ACD-4C99-B74B-A9C85AD731AF}" type="datetimeFigureOut">
               <a:rPr lang="en-US" smtClean="0"/>
-              <a:t>4/29/2024</a:t>
+              <a:t>5/3/2024</a:t>
             </a:fld>
             <a:endParaRPr lang="en-US" dirty="0"/>
           </a:p>
@@ -7978,14 +7983,16 @@
       </p:sp>
       <p:pic>
         <p:nvPicPr>
-          <p:cNvPr id="5" name="Рисунок 4">
+          <p:cNvPr id="6" name="Рисунок 5">
             <a:extLst>
               <a:ext uri="{FF2B5EF4-FFF2-40B4-BE49-F238E27FC236}">
-                <a16:creationId xmlns:a16="http://schemas.microsoft.com/office/drawing/2014/main" id="{98D28F7F-6D23-4174-98A2-BB56F07DF480}"/>
+                <a16:creationId xmlns:a16="http://schemas.microsoft.com/office/drawing/2014/main" id="{BE00241B-6775-4640-A514-2B85186D4E59}"/>
               </a:ext>
             </a:extLst>
           </p:cNvPr>
-          <p:cNvPicPr/>
+          <p:cNvPicPr>
+            <a:picLocks noChangeAspect="1"/>
+          </p:cNvPicPr>
           <p:nvPr/>
         </p:nvPicPr>
         <p:blipFill rotWithShape="1">
@@ -7996,26 +8003,17 @@
               </a:ext>
             </a:extLst>
           </a:blip>
-          <a:srcRect l="44415" t="5891"/>
+          <a:srcRect l="44492" t="4320"/>
           <a:stretch/>
         </p:blipFill>
-        <p:spPr bwMode="auto">
+        <p:spPr>
           <a:xfrm>
-            <a:off x="550091" y="1309767"/>
-            <a:ext cx="3356084" cy="5448070"/>
+            <a:off x="875074" y="1499321"/>
+            <a:ext cx="2993542" cy="5068961"/>
           </a:xfrm>
           <a:prstGeom prst="rect">
             <a:avLst/>
           </a:prstGeom>
-          <a:noFill/>
-          <a:ln>
-            <a:noFill/>
-          </a:ln>
-          <a:extLst>
-            <a:ext uri="{53640926-AAD7-44D8-BBD7-CCE9431645EC}">
-              <a14:shadowObscured xmlns:a14="http://schemas.microsoft.com/office/drawing/2010/main"/>
-            </a:ext>
-          </a:extLst>
         </p:spPr>
       </p:pic>
     </p:spTree>
@@ -8116,14 +8114,16 @@
       </p:sp>
       <p:pic>
         <p:nvPicPr>
-          <p:cNvPr id="4" name="Рисунок 3">
+          <p:cNvPr id="6" name="Рисунок 5">
             <a:extLst>
               <a:ext uri="{FF2B5EF4-FFF2-40B4-BE49-F238E27FC236}">
-                <a16:creationId xmlns:a16="http://schemas.microsoft.com/office/drawing/2014/main" id="{6C1D0811-BDBB-4A03-846E-05D20C954288}"/>
+                <a16:creationId xmlns:a16="http://schemas.microsoft.com/office/drawing/2014/main" id="{63417249-E352-41B4-8A6F-DD4EF224BDC8}"/>
               </a:ext>
             </a:extLst>
           </p:cNvPr>
-          <p:cNvPicPr/>
+          <p:cNvPicPr>
+            <a:picLocks noChangeAspect="1"/>
+          </p:cNvPicPr>
           <p:nvPr/>
         </p:nvPicPr>
         <p:blipFill>
@@ -8134,23 +8134,18 @@
               </a:ext>
             </a:extLst>
           </a:blip>
-          <a:srcRect/>
           <a:stretch>
             <a:fillRect/>
           </a:stretch>
         </p:blipFill>
-        <p:spPr bwMode="auto">
+        <p:spPr>
           <a:xfrm>
-            <a:off x="398241" y="2113786"/>
-            <a:ext cx="3676610" cy="3840032"/>
+            <a:off x="223491" y="1661565"/>
+            <a:ext cx="3835350" cy="4005810"/>
           </a:xfrm>
           <a:prstGeom prst="rect">
             <a:avLst/>
           </a:prstGeom>
-          <a:noFill/>
-          <a:ln>
-            <a:noFill/>
-          </a:ln>
         </p:spPr>
       </p:pic>
     </p:spTree>
